--- a/doc/ラボナビ.pptx
+++ b/doc/ラボナビ.pptx
@@ -198,7 +198,7 @@
           <a:p>
             <a:fld id="{11B7F713-0F31-924F-AC7E-86BA74539E88}" type="datetimeFigureOut">
               <a:rPr kumimoji="1" lang="ja-JP" altLang="en-US" smtClean="0"/>
-              <a:t>15/01/14</a:t>
+              <a:t>15/01/19</a:t>
             </a:fld>
             <a:endParaRPr kumimoji="1" lang="ja-JP" altLang="en-US"/>
           </a:p>
@@ -890,7 +890,7 @@
           <a:p>
             <a:fld id="{7CE38E4D-051A-41E1-86A4-E56916468FD0}" type="datetimeFigureOut">
               <a:rPr lang="en-US" smtClean="0"/>
-              <a:t>15/01/14</a:t>
+              <a:t>15/01/19</a:t>
             </a:fld>
             <a:endParaRPr lang="en-US"/>
           </a:p>
@@ -1224,7 +1224,7 @@
           <a:p>
             <a:fld id="{7CE38E4D-051A-41E1-86A4-E56916468FD0}" type="datetimeFigureOut">
               <a:rPr lang="en-US" smtClean="0"/>
-              <a:t>15/01/14</a:t>
+              <a:t>15/01/19</a:t>
             </a:fld>
             <a:endParaRPr lang="en-US"/>
           </a:p>
@@ -1463,7 +1463,7 @@
           <a:p>
             <a:fld id="{7CE38E4D-051A-41E1-86A4-E56916468FD0}" type="datetimeFigureOut">
               <a:rPr lang="en-US" smtClean="0"/>
-              <a:t>15/01/14</a:t>
+              <a:t>15/01/19</a:t>
             </a:fld>
             <a:endParaRPr lang="en-US"/>
           </a:p>
@@ -1763,7 +1763,7 @@
           <a:p>
             <a:fld id="{7CE38E4D-051A-41E1-86A4-E56916468FD0}" type="datetimeFigureOut">
               <a:rPr lang="en-US" smtClean="0"/>
-              <a:t>15/01/14</a:t>
+              <a:t>15/01/19</a:t>
             </a:fld>
             <a:endParaRPr lang="en-US"/>
           </a:p>
@@ -1979,7 +1979,7 @@
           <a:p>
             <a:fld id="{7CE38E4D-051A-41E1-86A4-E56916468FD0}" type="datetimeFigureOut">
               <a:rPr lang="en-US" smtClean="0"/>
-              <a:t>15/01/14</a:t>
+              <a:t>15/01/19</a:t>
             </a:fld>
             <a:endParaRPr lang="en-US"/>
           </a:p>
@@ -2371,7 +2371,7 @@
           <a:p>
             <a:fld id="{7CE38E4D-051A-41E1-86A4-E56916468FD0}" type="datetimeFigureOut">
               <a:rPr lang="en-US" smtClean="0"/>
-              <a:t>15/01/14</a:t>
+              <a:t>15/01/19</a:t>
             </a:fld>
             <a:endParaRPr lang="en-US"/>
           </a:p>
@@ -2670,7 +2670,7 @@
           <a:p>
             <a:fld id="{7CE38E4D-051A-41E1-86A4-E56916468FD0}" type="datetimeFigureOut">
               <a:rPr lang="en-US" smtClean="0"/>
-              <a:t>15/01/14</a:t>
+              <a:t>15/01/19</a:t>
             </a:fld>
             <a:endParaRPr lang="en-US"/>
           </a:p>
@@ -2760,7 +2760,7 @@
           <a:p>
             <a:fld id="{7CE38E4D-051A-41E1-86A4-E56916468FD0}" type="datetimeFigureOut">
               <a:rPr lang="en-US" smtClean="0"/>
-              <a:t>15/01/14</a:t>
+              <a:t>15/01/19</a:t>
             </a:fld>
             <a:endParaRPr lang="en-US"/>
           </a:p>
@@ -3093,7 +3093,7 @@
           <a:p>
             <a:fld id="{7CE38E4D-051A-41E1-86A4-E56916468FD0}" type="datetimeFigureOut">
               <a:rPr lang="en-US" smtClean="0"/>
-              <a:t>15/01/14</a:t>
+              <a:t>15/01/19</a:t>
             </a:fld>
             <a:endParaRPr lang="en-US"/>
           </a:p>
@@ -3431,7 +3431,7 @@
           <a:p>
             <a:fld id="{7CE38E4D-051A-41E1-86A4-E56916468FD0}" type="datetimeFigureOut">
               <a:rPr lang="en-US" smtClean="0"/>
-              <a:t>15/01/14</a:t>
+              <a:t>15/01/19</a:t>
             </a:fld>
             <a:endParaRPr lang="en-US"/>
           </a:p>
@@ -3711,7 +3711,7 @@
           <a:p>
             <a:fld id="{7CE38E4D-051A-41E1-86A4-E56916468FD0}" type="datetimeFigureOut">
               <a:rPr lang="en-US" smtClean="0"/>
-              <a:t>15/01/14</a:t>
+              <a:t>15/01/19</a:t>
             </a:fld>
             <a:endParaRPr lang="en-US"/>
           </a:p>
@@ -4183,7 +4183,7 @@
           <a:p>
             <a:fld id="{7CE38E4D-051A-41E1-86A4-E56916468FD0}" type="datetimeFigureOut">
               <a:rPr lang="en-US" smtClean="0"/>
-              <a:t>15/01/14</a:t>
+              <a:t>15/01/19</a:t>
             </a:fld>
             <a:endParaRPr lang="en-US"/>
           </a:p>
@@ -4807,7 +4807,7 @@
           <a:p>
             <a:fld id="{7CE38E4D-051A-41E1-86A4-E56916468FD0}" type="datetimeFigureOut">
               <a:rPr lang="en-US" smtClean="0"/>
-              <a:t>15/01/14</a:t>
+              <a:t>15/01/19</a:t>
             </a:fld>
             <a:endParaRPr lang="en-US"/>
           </a:p>
@@ -4955,7 +4955,7 @@
           <a:p>
             <a:fld id="{7CE38E4D-051A-41E1-86A4-E56916468FD0}" type="datetimeFigureOut">
               <a:rPr lang="en-US" smtClean="0"/>
-              <a:t>15/01/14</a:t>
+              <a:t>15/01/19</a:t>
             </a:fld>
             <a:endParaRPr lang="en-US"/>
           </a:p>
@@ -5045,7 +5045,7 @@
           <a:p>
             <a:fld id="{7CE38E4D-051A-41E1-86A4-E56916468FD0}" type="datetimeFigureOut">
               <a:rPr lang="en-US" smtClean="0"/>
-              <a:t>15/01/14</a:t>
+              <a:t>15/01/19</a:t>
             </a:fld>
             <a:endParaRPr lang="en-US"/>
           </a:p>
@@ -5419,7 +5419,7 @@
           <a:p>
             <a:fld id="{7CE38E4D-051A-41E1-86A4-E56916468FD0}" type="datetimeFigureOut">
               <a:rPr lang="en-US" smtClean="0"/>
-              <a:t>15/01/14</a:t>
+              <a:t>15/01/19</a:t>
             </a:fld>
             <a:endParaRPr lang="en-US"/>
           </a:p>
@@ -5660,7 +5660,7 @@
           <a:p>
             <a:fld id="{7CE38E4D-051A-41E1-86A4-E56916468FD0}" type="datetimeFigureOut">
               <a:rPr lang="en-US" smtClean="0"/>
-              <a:t>15/01/14</a:t>
+              <a:t>15/01/19</a:t>
             </a:fld>
             <a:endParaRPr lang="en-US"/>
           </a:p>
@@ -6434,7 +6434,45 @@
           <a:p>
             <a:r>
               <a:rPr kumimoji="1" lang="ja-JP" altLang="en-US" sz="2800" dirty="0" smtClean="0"/>
-              <a:t>現状の研究室配属では自ら足を運んで手に入る情報、または友人から聞いた話だけに限られる。</a:t>
+              <a:t>現状の研究室配属では</a:t>
+            </a:r>
+            <a:r>
+              <a:rPr kumimoji="1" lang="ja-JP" altLang="en-US" sz="2800" dirty="0" smtClean="0"/>
+              <a:t>自ら</a:t>
+            </a:r>
+            <a:r>
+              <a:rPr kumimoji="1" lang="en-US" altLang="ja-JP" sz="2800" dirty="0" smtClean="0"/>
+              <a:t/>
+            </a:r>
+            <a:br>
+              <a:rPr kumimoji="1" lang="en-US" altLang="ja-JP" sz="2800" dirty="0" smtClean="0"/>
+            </a:br>
+            <a:r>
+              <a:rPr kumimoji="1" lang="ja-JP" altLang="en-US" sz="2800" dirty="0" smtClean="0"/>
+              <a:t>足</a:t>
+            </a:r>
+            <a:r>
+              <a:rPr kumimoji="1" lang="ja-JP" altLang="en-US" sz="2800" dirty="0" smtClean="0"/>
+              <a:t>を運んで手に入る情報</a:t>
+            </a:r>
+            <a:r>
+              <a:rPr kumimoji="1" lang="ja-JP" altLang="en-US" sz="2800" dirty="0" smtClean="0"/>
+              <a:t>、</a:t>
+            </a:r>
+            <a:r>
+              <a:rPr kumimoji="1" lang="en-US" altLang="ja-JP" sz="2800" dirty="0" smtClean="0"/>
+              <a:t/>
+            </a:r>
+            <a:br>
+              <a:rPr kumimoji="1" lang="en-US" altLang="ja-JP" sz="2800" dirty="0" smtClean="0"/>
+            </a:br>
+            <a:r>
+              <a:rPr kumimoji="1" lang="ja-JP" altLang="en-US" sz="2800" dirty="0" smtClean="0"/>
+              <a:t>また</a:t>
+            </a:r>
+            <a:r>
+              <a:rPr kumimoji="1" lang="ja-JP" altLang="en-US" sz="2800" dirty="0" smtClean="0"/>
+              <a:t>は友人から聞いた話だけに限られる。</a:t>
             </a:r>
             <a:endParaRPr kumimoji="1" lang="en-US" altLang="ja-JP" sz="2800" dirty="0" smtClean="0"/>
           </a:p>
@@ -6599,15 +6637,26 @@
           <a:p>
             <a:r>
               <a:rPr kumimoji="1" lang="ja-JP" altLang="en-US" sz="2800" dirty="0" smtClean="0"/>
-              <a:t>豊富な情報を教員、学生で共有することで</a:t>
+              <a:t>豊富な情報を教員、学生で共有することで、研究室配属のミスマッチ</a:t>
             </a:r>
             <a:r>
               <a:rPr kumimoji="1" lang="ja-JP" altLang="en-US" sz="2800" dirty="0" smtClean="0"/>
-              <a:t>、</a:t>
-            </a:r>
+              <a:t>が</a:t>
+            </a:r>
+            <a:r>
+              <a:rPr kumimoji="1" lang="en-US" altLang="ja-JP" sz="2800" dirty="0" smtClean="0"/>
+              <a:t/>
+            </a:r>
+            <a:br>
+              <a:rPr kumimoji="1" lang="en-US" altLang="ja-JP" sz="2800" dirty="0" smtClean="0"/>
+            </a:br>
             <a:r>
               <a:rPr kumimoji="1" lang="ja-JP" altLang="en-US" sz="2800" dirty="0" smtClean="0"/>
-              <a:t>研究室配属のミスマッチが起こるのを防ぐ</a:t>
+              <a:t>起こる</a:t>
+            </a:r>
+            <a:r>
+              <a:rPr kumimoji="1" lang="ja-JP" altLang="en-US" sz="2800" dirty="0" smtClean="0"/>
+              <a:t>のを防ぐ</a:t>
             </a:r>
             <a:endParaRPr kumimoji="1" lang="en-US" altLang="ja-JP" sz="2800" dirty="0" smtClean="0"/>
           </a:p>
@@ -6708,11 +6757,7 @@
           <a:p>
             <a:r>
               <a:rPr lang="ja-JP" altLang="en-US" sz="4400" dirty="0" smtClean="0"/>
-              <a:t>ラボナビに</a:t>
-            </a:r>
-            <a:r>
-              <a:rPr lang="ja-JP" altLang="en-US" sz="4400" dirty="0" smtClean="0"/>
-              <a:t>ついて</a:t>
+              <a:t>ラボナビについて</a:t>
             </a:r>
             <a:r>
               <a:rPr lang="en-US" altLang="ja-JP" sz="4400" dirty="0" smtClean="0"/>
@@ -6750,14 +6795,52 @@
             </a:r>
             <a:r>
               <a:rPr lang="ja-JP" altLang="en-US" sz="2800" dirty="0" smtClean="0"/>
-              <a:t>に順位をつけてもらうことで人気の研究室がわかる。</a:t>
+              <a:t>に順位をつけて</a:t>
+            </a:r>
+            <a:r>
+              <a:rPr lang="ja-JP" altLang="en-US" sz="2800" dirty="0" smtClean="0"/>
+              <a:t>もらう</a:t>
+            </a:r>
+            <a:r>
+              <a:rPr lang="en-US" altLang="ja-JP" sz="2800" dirty="0" smtClean="0"/>
+              <a:t/>
+            </a:r>
+            <a:br>
+              <a:rPr lang="en-US" altLang="ja-JP" sz="2800" dirty="0" smtClean="0"/>
+            </a:br>
+            <a:r>
+              <a:rPr lang="ja-JP" altLang="en-US" sz="2800" dirty="0" smtClean="0"/>
+              <a:t>こと</a:t>
+            </a:r>
+            <a:r>
+              <a:rPr lang="ja-JP" altLang="en-US" sz="2800" dirty="0" smtClean="0"/>
+              <a:t>で人気の研究室がわかる。</a:t>
             </a:r>
             <a:endParaRPr lang="en-US" altLang="ja-JP" sz="2800" dirty="0" smtClean="0"/>
           </a:p>
           <a:p>
             <a:r>
               <a:rPr kumimoji="1" lang="ja-JP" altLang="en-US" sz="2800" dirty="0" smtClean="0"/>
-              <a:t>どの研究室を選ぶか戦略を立てられる。</a:t>
+              <a:t>どの研究室を選ぶか戦略</a:t>
+            </a:r>
+            <a:r>
+              <a:rPr kumimoji="1" lang="ja-JP" altLang="en-US" sz="2800" dirty="0" smtClean="0"/>
+              <a:t>を</a:t>
+            </a:r>
+            <a:r>
+              <a:rPr kumimoji="1" lang="en-US" altLang="ja-JP" sz="2800" smtClean="0"/>
+              <a:t/>
+            </a:r>
+            <a:br>
+              <a:rPr kumimoji="1" lang="en-US" altLang="ja-JP" sz="2800" smtClean="0"/>
+            </a:br>
+            <a:r>
+              <a:rPr kumimoji="1" lang="ja-JP" altLang="en-US" sz="2800" smtClean="0"/>
+              <a:t>立てられる</a:t>
+            </a:r>
+            <a:r>
+              <a:rPr kumimoji="1" lang="ja-JP" altLang="en-US" sz="2800" dirty="0" smtClean="0"/>
+              <a:t>。</a:t>
             </a:r>
             <a:endParaRPr kumimoji="1" lang="en-US" altLang="ja-JP" sz="2800" dirty="0" smtClean="0"/>
           </a:p>
@@ -6875,11 +6958,7 @@
           <a:p>
             <a:r>
               <a:rPr lang="ja-JP" altLang="en-US" sz="4400" dirty="0" smtClean="0"/>
-              <a:t>ラボナビに</a:t>
-            </a:r>
-            <a:r>
-              <a:rPr lang="ja-JP" altLang="en-US" sz="4400" dirty="0" smtClean="0"/>
-              <a:t>ついて</a:t>
+              <a:t>ラボナビについて</a:t>
             </a:r>
             <a:r>
               <a:rPr lang="en-US" altLang="ja-JP" sz="4400" dirty="0" smtClean="0"/>
